--- a/images/rnafold_Da_extended.pptx
+++ b/images/rnafold_Da_extended.pptx
@@ -304,7 +304,7 @@
           <a:p>
             <a:fld id="{01197F44-DB72-474A-9754-31703E05C006}" type="datetimeFigureOut">
               <a:rPr lang="en-US" smtClean="0"/>
-              <a:t>6/19/19</a:t>
+              <a:t>6/24/19</a:t>
             </a:fld>
             <a:endParaRPr lang="en-US"/>
           </a:p>
@@ -474,7 +474,7 @@
           <a:p>
             <a:fld id="{01197F44-DB72-474A-9754-31703E05C006}" type="datetimeFigureOut">
               <a:rPr lang="en-US" smtClean="0"/>
-              <a:t>6/19/19</a:t>
+              <a:t>6/24/19</a:t>
             </a:fld>
             <a:endParaRPr lang="en-US"/>
           </a:p>
@@ -654,7 +654,7 @@
           <a:p>
             <a:fld id="{01197F44-DB72-474A-9754-31703E05C006}" type="datetimeFigureOut">
               <a:rPr lang="en-US" smtClean="0"/>
-              <a:t>6/19/19</a:t>
+              <a:t>6/24/19</a:t>
             </a:fld>
             <a:endParaRPr lang="en-US"/>
           </a:p>
@@ -824,7 +824,7 @@
           <a:p>
             <a:fld id="{01197F44-DB72-474A-9754-31703E05C006}" type="datetimeFigureOut">
               <a:rPr lang="en-US" smtClean="0"/>
-              <a:t>6/19/19</a:t>
+              <a:t>6/24/19</a:t>
             </a:fld>
             <a:endParaRPr lang="en-US"/>
           </a:p>
@@ -1070,7 +1070,7 @@
           <a:p>
             <a:fld id="{01197F44-DB72-474A-9754-31703E05C006}" type="datetimeFigureOut">
               <a:rPr lang="en-US" smtClean="0"/>
-              <a:t>6/19/19</a:t>
+              <a:t>6/24/19</a:t>
             </a:fld>
             <a:endParaRPr lang="en-US"/>
           </a:p>
@@ -1358,7 +1358,7 @@
           <a:p>
             <a:fld id="{01197F44-DB72-474A-9754-31703E05C006}" type="datetimeFigureOut">
               <a:rPr lang="en-US" smtClean="0"/>
-              <a:t>6/19/19</a:t>
+              <a:t>6/24/19</a:t>
             </a:fld>
             <a:endParaRPr lang="en-US"/>
           </a:p>
@@ -1780,7 +1780,7 @@
           <a:p>
             <a:fld id="{01197F44-DB72-474A-9754-31703E05C006}" type="datetimeFigureOut">
               <a:rPr lang="en-US" smtClean="0"/>
-              <a:t>6/19/19</a:t>
+              <a:t>6/24/19</a:t>
             </a:fld>
             <a:endParaRPr lang="en-US"/>
           </a:p>
@@ -1898,7 +1898,7 @@
           <a:p>
             <a:fld id="{01197F44-DB72-474A-9754-31703E05C006}" type="datetimeFigureOut">
               <a:rPr lang="en-US" smtClean="0"/>
-              <a:t>6/19/19</a:t>
+              <a:t>6/24/19</a:t>
             </a:fld>
             <a:endParaRPr lang="en-US"/>
           </a:p>
@@ -1993,7 +1993,7 @@
           <a:p>
             <a:fld id="{01197F44-DB72-474A-9754-31703E05C006}" type="datetimeFigureOut">
               <a:rPr lang="en-US" smtClean="0"/>
-              <a:t>6/19/19</a:t>
+              <a:t>6/24/19</a:t>
             </a:fld>
             <a:endParaRPr lang="en-US"/>
           </a:p>
@@ -2270,7 +2270,7 @@
           <a:p>
             <a:fld id="{01197F44-DB72-474A-9754-31703E05C006}" type="datetimeFigureOut">
               <a:rPr lang="en-US" smtClean="0"/>
-              <a:t>6/19/19</a:t>
+              <a:t>6/24/19</a:t>
             </a:fld>
             <a:endParaRPr lang="en-US"/>
           </a:p>
@@ -2523,7 +2523,7 @@
           <a:p>
             <a:fld id="{01197F44-DB72-474A-9754-31703E05C006}" type="datetimeFigureOut">
               <a:rPr lang="en-US" smtClean="0"/>
-              <a:t>6/19/19</a:t>
+              <a:t>6/24/19</a:t>
             </a:fld>
             <a:endParaRPr lang="en-US"/>
           </a:p>
@@ -2736,7 +2736,7 @@
           <a:p>
             <a:fld id="{01197F44-DB72-474A-9754-31703E05C006}" type="datetimeFigureOut">
               <a:rPr lang="en-US" smtClean="0"/>
-              <a:t>6/19/19</a:t>
+              <a:t>6/24/19</a:t>
             </a:fld>
             <a:endParaRPr lang="en-US"/>
           </a:p>
@@ -3113,7 +3113,7 @@
       </p:grpSpPr>
       <p:pic>
         <p:nvPicPr>
-          <p:cNvPr id="6" name="Picture 5"/>
+          <p:cNvPr id="2" name="Picture 1"/>
           <p:cNvPicPr>
             <a:picLocks noChangeAspect="1"/>
           </p:cNvPicPr>
@@ -3133,8 +3133,8 @@
         </p:blipFill>
         <p:spPr>
           <a:xfrm>
-            <a:off x="0" y="0"/>
-            <a:ext cx="4572000" cy="8208041"/>
+            <a:off x="0" y="25400"/>
+            <a:ext cx="4572000" cy="8158480"/>
           </a:xfrm>
           <a:prstGeom prst="rect">
             <a:avLst/>
@@ -3188,7 +3188,7 @@
             <a:pPr algn="ctr"/>
             <a:r>
               <a:rPr lang="is-IS" sz="1600" dirty="0" smtClean="0"/>
-              <a:t>NC_010002.1:6395711-6395600(-)</a:t>
+              <a:t>NC_010002.1:6395600-6395711(-)</a:t>
             </a:r>
             <a:endParaRPr lang="en-US" sz="1600" dirty="0"/>
           </a:p>
